--- a/YGA_SIEM_PROJECT/Entegre_Güvenlik_Kalkanı_Projesi_Sunu_Taslak2.pptx
+++ b/YGA_SIEM_PROJECT/Entegre_Güvenlik_Kalkanı_Projesi_Sunu_Taslak2.pptx
@@ -70,10 +70,11 @@
     <p:sldId id="309" r:id="rId64"/>
     <p:sldId id="311" r:id="rId65"/>
     <p:sldId id="312" r:id="rId66"/>
-    <p:sldId id="314" r:id="rId67"/>
-    <p:sldId id="315" r:id="rId68"/>
-    <p:sldId id="354" r:id="rId69"/>
-    <p:sldId id="355" r:id="rId70"/>
+    <p:sldId id="315" r:id="rId67"/>
+    <p:sldId id="356" r:id="rId68"/>
+    <p:sldId id="357" r:id="rId69"/>
+    <p:sldId id="354" r:id="rId70"/>
+    <p:sldId id="355" r:id="rId71"/>
   </p:sldIdLst>
   <p:sldSz cx="12192000" cy="6858000"/>
   <p:notesSz cx="6858000" cy="9144000"/>
@@ -242,8 +243,9 @@
             <p14:sldId id="309"/>
             <p14:sldId id="311"/>
             <p14:sldId id="312"/>
-            <p14:sldId id="314"/>
             <p14:sldId id="315"/>
+            <p14:sldId id="356"/>
+            <p14:sldId id="357"/>
             <p14:sldId id="354"/>
             <p14:sldId id="355"/>
           </p14:sldIdLst>
@@ -8689,7 +8691,6 @@
               <a:rPr lang="tr-TR" sz="2400" dirty="0"/>
               <a:t>HTTPS, güvenli bağlantılar için bir SSL/TLS sertifikası gerektirir</a:t>
             </a:r>
-            <a:endParaRPr lang="tr-TR" sz="2400" dirty="0"/>
           </a:p>
         </p:txBody>
       </p:sp>
@@ -9818,11 +9819,7 @@
           <a:p>
             <a:r>
               <a:rPr lang="tr-TR" dirty="0" smtClean="0"/>
-              <a:t>10</a:t>
-            </a:r>
-            <a:r>
-              <a:rPr lang="tr-TR" dirty="0" smtClean="0"/>
-              <a:t>. </a:t>
+              <a:t>10. </a:t>
             </a:r>
             <a:r>
               <a:rPr lang="tr-TR" b="0" i="0" dirty="0">
@@ -9980,19 +9977,7 @@
                 </a:highlight>
                 <a:latin typeface="Franklin Gothic Book (Başlıklar)"/>
               </a:rPr>
-              <a:t>11</a:t>
-            </a:r>
-            <a:r>
-              <a:rPr lang="tr-TR" dirty="0" smtClean="0">
-                <a:solidFill>
-                  <a:srgbClr val="0D0D0D"/>
-                </a:solidFill>
-                <a:highlight>
-                  <a:srgbClr val="FFFFFF"/>
-                </a:highlight>
-                <a:latin typeface="Franklin Gothic Book (Başlıklar)"/>
-              </a:rPr>
-              <a:t>. </a:t>
+              <a:t>11. </a:t>
             </a:r>
             <a:r>
               <a:rPr lang="tr-TR" b="0" i="0" dirty="0" err="1">
@@ -10144,11 +10129,7 @@
           <a:p>
             <a:r>
               <a:rPr lang="tr-TR" dirty="0" smtClean="0"/>
-              <a:t>12</a:t>
-            </a:r>
-            <a:r>
-              <a:rPr lang="tr-TR" dirty="0" smtClean="0"/>
-              <a:t>. </a:t>
+              <a:t>12. </a:t>
             </a:r>
             <a:r>
               <a:rPr lang="tr-TR" b="0" i="0" dirty="0">
@@ -13012,7 +12993,7 @@
           <p:cNvPr id="2" name="Başlık 1">
             <a:extLst>
               <a:ext uri="{FF2B5EF4-FFF2-40B4-BE49-F238E27FC236}">
-                <a16:creationId xmlns:a16="http://schemas.microsoft.com/office/drawing/2014/main" id="{69173F41-5E46-51C3-E527-D1287C1A2DAA}"/>
+                <a16:creationId xmlns:a16="http://schemas.microsoft.com/office/drawing/2014/main" id="{3EAF3577-16EB-B0DA-B87F-C775F6968099}"/>
               </a:ext>
             </a:extLst>
           </p:cNvPr>
@@ -13023,7 +13004,12 @@
             <p:ph type="title"/>
           </p:nvPr>
         </p:nvSpPr>
-        <p:spPr/>
+        <p:spPr>
+          <a:xfrm>
+            <a:off x="1371600" y="228600"/>
+            <a:ext cx="9601200" cy="1485900"/>
+          </a:xfrm>
+        </p:spPr>
         <p:txBody>
           <a:bodyPr/>
           <a:lstStyle/>
@@ -13041,7 +13027,7 @@
           <p:cNvPr id="3" name="İçerik Yer Tutucusu 2">
             <a:extLst>
               <a:ext uri="{FF2B5EF4-FFF2-40B4-BE49-F238E27FC236}">
-                <a16:creationId xmlns:a16="http://schemas.microsoft.com/office/drawing/2014/main" id="{DEC744C1-2BE7-A67B-82E0-7221548E888D}"/>
+                <a16:creationId xmlns:a16="http://schemas.microsoft.com/office/drawing/2014/main" id="{876E0304-8308-FF9C-7B2C-FE27B572C19A}"/>
               </a:ext>
             </a:extLst>
           </p:cNvPr>
@@ -13052,36 +13038,176 @@
             <p:ph idx="1"/>
           </p:nvPr>
         </p:nvSpPr>
-        <p:spPr/>
-        <p:txBody>
-          <a:bodyPr/>
-          <a:lstStyle/>
-          <a:p>
-            <a:r>
-              <a:rPr lang="tr-TR" dirty="0"/>
-              <a:t>Youtube da içerikleri ile tanınan ve bilinen Ruhi Çenet kanalının şifresini ruhi123 olarak belirledi. Ardından kanalı ele geçirildi. Youtube a destek maili atan Ruhi Çenet tekrardan kanalını geri aldı. Ancak kanalının şifresini tekrardan ruhi1234 olarak koyan Ruhi Çenet kanalını tekrardan çaldırdı. Ardından  tekrar destek talebi oluşturan Ruhi Çenet kanalını tekrardan geri aldı. Kanalını geri aldıktan sonra Ruhi Çenet yeniden şifresini ruhi12345 yaptı ve kanalı tekrardan çalındı ayrıca 3 yıl boyunca yaptığı içerikler silindi ve 300.000 e yakın abone kaybetti.</a:t>
-            </a:r>
-          </a:p>
-          <a:p>
-            <a:r>
-              <a:rPr lang="tr-TR" dirty="0"/>
-              <a:t>Malatya Adliyesinde çalışan Zabıt Katibi Alper Uzman kurmaya çalıştığı bir dosyayı firewall nedeni ile kuramadı. Bilgisayarındaki </a:t>
-            </a:r>
-            <a:r>
-              <a:rPr lang="tr-TR" dirty="0" err="1"/>
-              <a:t>Firewallı</a:t>
-            </a:r>
-            <a:r>
-              <a:rPr lang="tr-TR" dirty="0"/>
-              <a:t> devre dışı bıraktı ve dosyayı kurdu. Sonraki gün işe geldiğinde bilgisayarındaki UYAP dosyalarının silindiğini fark etti. </a:t>
-            </a:r>
+        <p:spPr>
+          <a:xfrm>
+            <a:off x="1371600" y="1081454"/>
+            <a:ext cx="9601200" cy="5522546"/>
+          </a:xfrm>
+        </p:spPr>
+        <p:txBody>
+          <a:bodyPr>
+            <a:noAutofit/>
+          </a:bodyPr>
+          <a:lstStyle/>
+          <a:p>
+            <a:r>
+              <a:rPr lang="tr-TR" sz="1800" dirty="0" smtClean="0"/>
+              <a:t>Ahmet</a:t>
+            </a:r>
+            <a:r>
+              <a:rPr lang="tr-TR" sz="1800" dirty="0"/>
+              <a:t>, şirketin IT güvenlik uzmanıdır ve çalışanların güvenli bir şekilde veri erişimi sağlamalarını, zararlı yazılımlardan korunmalarını ve şirket ağının yüksek performansla çalışmasını garanti altına almak istemektedir</a:t>
+            </a:r>
+            <a:r>
+              <a:rPr lang="tr-TR" sz="1800" dirty="0" smtClean="0"/>
+              <a:t>. Böylece </a:t>
+            </a:r>
+            <a:r>
+              <a:rPr lang="tr-TR" sz="1800" dirty="0"/>
+              <a:t>Ahmet’in ve şirketin güvenlik duruşunu güçlendirecek ve iş süreçlerinin kesintisiz ve güvenli bir şekilde devam etmesini sağlayacaktır</a:t>
+            </a:r>
+            <a:r>
+              <a:rPr lang="tr-TR" sz="1800" dirty="0" smtClean="0"/>
+              <a:t>.</a:t>
+            </a:r>
+            <a:endParaRPr lang="tr-TR" sz="1800" dirty="0"/>
+          </a:p>
+          <a:p>
+            <a:r>
+              <a:rPr lang="tr-TR" sz="1800" b="1" dirty="0"/>
+              <a:t>Kriterler:</a:t>
+            </a:r>
+            <a:endParaRPr lang="tr-TR" sz="1800" dirty="0"/>
+          </a:p>
+          <a:p>
+            <a:r>
+              <a:rPr lang="tr-TR" sz="1800" dirty="0"/>
+              <a:t>Ahmet, şirket ağına erişim sağlayan her kullanıcının kimlik doğrulamasını yapabilmeli ve yetkisiz erişimleri engelleyebilmelidir (</a:t>
+            </a:r>
+            <a:r>
+              <a:rPr lang="tr-TR" sz="1800" b="1" dirty="0"/>
+              <a:t>Ağ Erişim Kontrolü</a:t>
+            </a:r>
+            <a:r>
+              <a:rPr lang="tr-TR" sz="1800" dirty="0"/>
+              <a:t>).</a:t>
+            </a:r>
+          </a:p>
+          <a:p>
+            <a:r>
+              <a:rPr lang="tr-TR" sz="1800" dirty="0"/>
+              <a:t>Kullanıcıların bilgisayarları, güncel ve etkin bir </a:t>
+            </a:r>
+            <a:r>
+              <a:rPr lang="tr-TR" sz="1800" b="1" dirty="0" err="1"/>
+              <a:t>Antivirüs</a:t>
+            </a:r>
+            <a:r>
+              <a:rPr lang="tr-TR" sz="1800" dirty="0"/>
+              <a:t> programı ile korunmalıdır.</a:t>
+            </a:r>
+          </a:p>
+          <a:p>
+            <a:r>
+              <a:rPr lang="tr-TR" sz="1800" dirty="0"/>
+              <a:t>Gelen ve giden e-postalar, </a:t>
+            </a:r>
+            <a:r>
+              <a:rPr lang="tr-TR" sz="1800" b="1" dirty="0" err="1"/>
+              <a:t>Spamfilter</a:t>
+            </a:r>
+            <a:r>
+              <a:rPr lang="tr-TR" sz="1800" dirty="0"/>
+              <a:t> ile taranarak </a:t>
+            </a:r>
+            <a:r>
+              <a:rPr lang="tr-TR" sz="1800" dirty="0" err="1"/>
+              <a:t>spam</a:t>
+            </a:r>
+            <a:r>
+              <a:rPr lang="tr-TR" sz="1800" dirty="0"/>
+              <a:t> ve zararlı içeriklerden arındırılmalıdır.</a:t>
+            </a:r>
+          </a:p>
+          <a:p>
+            <a:r>
+              <a:rPr lang="tr-TR" sz="1800" dirty="0"/>
+              <a:t>İnternette gezinirken güvenli olmayan sitelere erişim, </a:t>
+            </a:r>
+            <a:r>
+              <a:rPr lang="tr-TR" sz="1800" b="1" dirty="0"/>
+              <a:t>URL Filtresi</a:t>
+            </a:r>
+            <a:r>
+              <a:rPr lang="tr-TR" sz="1800" dirty="0"/>
+              <a:t> ile engellenmelidir.</a:t>
+            </a:r>
+          </a:p>
+          <a:p>
+            <a:r>
+              <a:rPr lang="tr-TR" sz="1800" dirty="0"/>
+              <a:t>E-posta trafiği, </a:t>
+            </a:r>
+            <a:r>
+              <a:rPr lang="tr-TR" sz="1800" b="1" dirty="0"/>
+              <a:t>E-posta Güvenlik Duvarı</a:t>
+            </a:r>
+            <a:r>
+              <a:rPr lang="tr-TR" sz="1800" dirty="0"/>
+              <a:t> ile korunarak zararlı saldırılara karşı güvenli hale getirilmelidir.</a:t>
+            </a:r>
+          </a:p>
+          <a:p>
+            <a:r>
+              <a:rPr lang="tr-TR" sz="1800" dirty="0"/>
+              <a:t>Şirketin </a:t>
+            </a:r>
+            <a:r>
+              <a:rPr lang="tr-TR" sz="1800" dirty="0" err="1"/>
+              <a:t>veritabanları</a:t>
+            </a:r>
+            <a:r>
+              <a:rPr lang="tr-TR" sz="1800" dirty="0"/>
+              <a:t>, </a:t>
+            </a:r>
+            <a:r>
+              <a:rPr lang="tr-TR" sz="1800" b="1" dirty="0"/>
+              <a:t>DB Güvenlik Duvarı</a:t>
+            </a:r>
+            <a:r>
+              <a:rPr lang="tr-TR" sz="1800" dirty="0"/>
+              <a:t> ile korunarak hassas verilerin sızdırılmasının önüne geçilmelidir</a:t>
+            </a:r>
+            <a:r>
+              <a:rPr lang="tr-TR" sz="1800" dirty="0" smtClean="0"/>
+              <a:t>.</a:t>
+            </a:r>
+          </a:p>
+          <a:p>
+            <a:r>
+              <a:rPr lang="tr-TR" sz="1800" dirty="0"/>
+              <a:t>Web uygulamaları, </a:t>
+            </a:r>
+            <a:r>
+              <a:rPr lang="tr-TR" sz="1800" b="1" dirty="0"/>
+              <a:t>Web Uygulama Güvenlik Duvarı</a:t>
+            </a:r>
+            <a:r>
+              <a:rPr lang="tr-TR" sz="1800" dirty="0"/>
+              <a:t> ile sürekli olarak izlenmeli ve güvenlik açıklarına karşı korunmalıdır</a:t>
+            </a:r>
+            <a:r>
+              <a:rPr lang="tr-TR" sz="1800" dirty="0" smtClean="0"/>
+              <a:t>.</a:t>
+            </a:r>
+            <a:endParaRPr lang="tr-TR" sz="1800" dirty="0"/>
           </a:p>
         </p:txBody>
       </p:sp>
     </p:spTree>
     <p:extLst>
       <p:ext uri="{BB962C8B-B14F-4D97-AF65-F5344CB8AC3E}">
-        <p14:creationId xmlns:p14="http://schemas.microsoft.com/office/powerpoint/2010/main" val="3079309621"/>
+        <p14:creationId xmlns:p14="http://schemas.microsoft.com/office/powerpoint/2010/main" val="4275366362"/>
       </p:ext>
     </p:extLst>
   </p:cSld>
@@ -13117,42 +13243,7 @@
       </p:grpSpPr>
       <p:sp>
         <p:nvSpPr>
-          <p:cNvPr id="2" name="Başlık 1">
-            <a:extLst>
-              <a:ext uri="{FF2B5EF4-FFF2-40B4-BE49-F238E27FC236}">
-                <a16:creationId xmlns:a16="http://schemas.microsoft.com/office/drawing/2014/main" id="{3EAF3577-16EB-B0DA-B87F-C775F6968099}"/>
-              </a:ext>
-            </a:extLst>
-          </p:cNvPr>
-          <p:cNvSpPr>
-            <a:spLocks noGrp="1"/>
-          </p:cNvSpPr>
-          <p:nvPr>
-            <p:ph type="title"/>
-          </p:nvPr>
-        </p:nvSpPr>
-        <p:spPr/>
-        <p:txBody>
-          <a:bodyPr/>
-          <a:lstStyle/>
-          <a:p>
-            <a:r>
-              <a:rPr lang="tr-TR" sz="4400" dirty="0"/>
-              <a:t>USER STORY</a:t>
-            </a:r>
-            <a:endParaRPr lang="tr-TR" dirty="0"/>
-          </a:p>
-        </p:txBody>
-      </p:sp>
-      <p:sp>
-        <p:nvSpPr>
-          <p:cNvPr id="3" name="İçerik Yer Tutucusu 2">
-            <a:extLst>
-              <a:ext uri="{FF2B5EF4-FFF2-40B4-BE49-F238E27FC236}">
-                <a16:creationId xmlns:a16="http://schemas.microsoft.com/office/drawing/2014/main" id="{876E0304-8308-FF9C-7B2C-FE27B572C19A}"/>
-              </a:ext>
-            </a:extLst>
-          </p:cNvPr>
+          <p:cNvPr id="3" name="İçerik Yer Tutucusu 2"/>
           <p:cNvSpPr>
             <a:spLocks noGrp="1"/>
           </p:cNvSpPr>
@@ -13160,48 +13251,189 @@
             <p:ph idx="1"/>
           </p:nvPr>
         </p:nvSpPr>
-        <p:spPr/>
-        <p:txBody>
-          <a:bodyPr/>
-          <a:lstStyle/>
-          <a:p>
-            <a:r>
-              <a:rPr lang="tr-TR" dirty="0"/>
-              <a:t>A-Mail kullanan Hasan Altunbaş kendisine gönderilen «Koliniz teslim edilememiştir detay için yurtdisikrg.com/k35kho54as» isimli güvenlik </a:t>
-            </a:r>
-            <a:r>
-              <a:rPr lang="tr-TR" dirty="0" err="1"/>
-              <a:t>protokoline</a:t>
-            </a:r>
-            <a:r>
-              <a:rPr lang="tr-TR" dirty="0"/>
-              <a:t> sahip olmayan  linke tıklayıp telefonuna virüs bulaştırmıştır ve kredi kartı bilgilerini çaldırmıştır.</a:t>
-            </a:r>
-          </a:p>
-          <a:p>
-            <a:pPr>
-              <a:buFont typeface="Wingdings" panose="05000000000000000000" pitchFamily="2" charset="2"/>
-              <a:buChar char="Ø"/>
-            </a:pPr>
-            <a:r>
-              <a:rPr lang="tr-TR" dirty="0"/>
-              <a:t>A-Mail E-mail </a:t>
-            </a:r>
-            <a:r>
-              <a:rPr lang="tr-TR" dirty="0" err="1"/>
-              <a:t>filtera</a:t>
-            </a:r>
-            <a:r>
-              <a:rPr lang="tr-TR" dirty="0"/>
-              <a:t> sahip olmayan bir mail sitesidir. 	</a:t>
-            </a:r>
+        <p:spPr>
+          <a:xfrm>
+            <a:off x="1371600" y="395653"/>
+            <a:ext cx="9601200" cy="6251331"/>
+          </a:xfrm>
+        </p:spPr>
+        <p:txBody>
+          <a:bodyPr>
+            <a:noAutofit/>
+          </a:bodyPr>
+          <a:lstStyle/>
+          <a:p>
+            <a:r>
+              <a:rPr lang="tr-TR" sz="1800" dirty="0" smtClean="0"/>
+              <a:t>Ağ </a:t>
+            </a:r>
+            <a:r>
+              <a:rPr lang="tr-TR" sz="1800" dirty="0"/>
+              <a:t>üzerindeki şüpheli aktiviteler, </a:t>
+            </a:r>
+            <a:r>
+              <a:rPr lang="tr-TR" sz="1800" b="1" dirty="0"/>
+              <a:t>STS</a:t>
+            </a:r>
+            <a:r>
+              <a:rPr lang="tr-TR" sz="1800" dirty="0"/>
+              <a:t> ile tespit edilip engellenmelidir.</a:t>
+            </a:r>
+          </a:p>
+          <a:p>
+            <a:r>
+              <a:rPr lang="tr-TR" sz="1800" dirty="0"/>
+              <a:t>Sistemler düzenli olarak </a:t>
+            </a:r>
+            <a:r>
+              <a:rPr lang="tr-TR" sz="1800" b="1" dirty="0"/>
+              <a:t>Zafiyet Tarama Sistemleri</a:t>
+            </a:r>
+            <a:r>
+              <a:rPr lang="tr-TR" sz="1800" dirty="0"/>
+              <a:t> ile taranarak güvenlik açıkları belirlenmeli ve giderilmelidir.</a:t>
+            </a:r>
+          </a:p>
+          <a:p>
+            <a:r>
+              <a:rPr lang="tr-TR" sz="1800" dirty="0"/>
+              <a:t>Bilinmeyen tehditlere karşı </a:t>
+            </a:r>
+            <a:r>
+              <a:rPr lang="tr-TR" sz="1800" b="1" dirty="0"/>
+              <a:t>Sıfır Gün Zararlı Yazılım Tespit Sistemi</a:t>
+            </a:r>
+            <a:r>
+              <a:rPr lang="tr-TR" sz="1800" dirty="0"/>
+              <a:t> ile </a:t>
+            </a:r>
+            <a:r>
+              <a:rPr lang="tr-TR" sz="1800" dirty="0" err="1"/>
+              <a:t>proaktif</a:t>
+            </a:r>
+            <a:r>
+              <a:rPr lang="tr-TR" sz="1800" dirty="0"/>
+              <a:t> koruma sağlanmalıdır.</a:t>
+            </a:r>
+          </a:p>
+          <a:p>
+            <a:r>
+              <a:rPr lang="tr-TR" sz="1800" dirty="0"/>
+              <a:t>Hassas verilerin sızdırılması, </a:t>
+            </a:r>
+            <a:r>
+              <a:rPr lang="tr-TR" sz="1800" b="1" dirty="0"/>
+              <a:t>Veri Kaçakları Önleme Sistemi</a:t>
+            </a:r>
+            <a:r>
+              <a:rPr lang="tr-TR" sz="1800" dirty="0"/>
+              <a:t> ile önlenebilmelidir.</a:t>
+            </a:r>
+          </a:p>
+          <a:p>
+            <a:r>
+              <a:rPr lang="tr-TR" sz="1800" dirty="0"/>
+              <a:t>Ağın sağlığı ve performansı, </a:t>
+            </a:r>
+            <a:r>
+              <a:rPr lang="tr-TR" sz="1800" b="1" dirty="0"/>
+              <a:t>Ağ İzleme ve Performans Analizi</a:t>
+            </a:r>
+            <a:r>
+              <a:rPr lang="tr-TR" sz="1800" dirty="0"/>
+              <a:t> ile sürekli olarak izlenmelidir.</a:t>
+            </a:r>
+          </a:p>
+          <a:p>
+            <a:r>
+              <a:rPr lang="tr-TR" sz="1800" dirty="0"/>
+              <a:t>Potansiyel riskler, </a:t>
+            </a:r>
+            <a:r>
+              <a:rPr lang="tr-TR" sz="1800" b="1" dirty="0"/>
+              <a:t>Risk Analiz Yönetim Sistemi</a:t>
+            </a:r>
+            <a:r>
+              <a:rPr lang="tr-TR" sz="1800" dirty="0"/>
+              <a:t> ile değerlendirilmeli ve yönetilmelidir.</a:t>
+            </a:r>
+          </a:p>
+          <a:p>
+            <a:r>
+              <a:rPr lang="tr-TR" sz="1800" dirty="0"/>
+              <a:t>Güvenlik olaylarına ilişkin </a:t>
+            </a:r>
+            <a:r>
+              <a:rPr lang="tr-TR" sz="1800" dirty="0" err="1"/>
+              <a:t>loglar</a:t>
+            </a:r>
+            <a:r>
+              <a:rPr lang="tr-TR" sz="1800" dirty="0"/>
+              <a:t>, </a:t>
+            </a:r>
+            <a:r>
+              <a:rPr lang="tr-TR" sz="1800" b="1" dirty="0"/>
+              <a:t>Kayıt Toplama ve </a:t>
+            </a:r>
+            <a:r>
+              <a:rPr lang="tr-TR" sz="1800" b="1" dirty="0" err="1"/>
+              <a:t>Kolerasyon</a:t>
+            </a:r>
+            <a:r>
+              <a:rPr lang="tr-TR" sz="1800" b="1" dirty="0"/>
+              <a:t> Sistemi</a:t>
+            </a:r>
+            <a:r>
+              <a:rPr lang="tr-TR" sz="1800" dirty="0"/>
+              <a:t> ile toplanmalı ve analiz edilmelidir.</a:t>
+            </a:r>
+          </a:p>
+          <a:p>
+            <a:r>
+              <a:rPr lang="tr-TR" sz="1800" dirty="0"/>
+              <a:t>Kullanıcıların internet trafiği, </a:t>
+            </a:r>
+            <a:r>
+              <a:rPr lang="tr-TR" sz="1800" b="1" dirty="0"/>
+              <a:t>Transparan İçerik Yönlendirici</a:t>
+            </a:r>
+            <a:r>
+              <a:rPr lang="tr-TR" sz="1800" dirty="0"/>
+              <a:t> ile yönlendirilerek verimliliğin artırılması ve güvenliğin sağlanması hedeflenmelidir.</a:t>
+            </a:r>
+          </a:p>
+          <a:p>
+            <a:r>
+              <a:rPr lang="tr-TR" sz="1800" b="1" dirty="0"/>
+              <a:t>Kabul Kriterleri:</a:t>
+            </a:r>
+            <a:endParaRPr lang="tr-TR" sz="1800" dirty="0"/>
+          </a:p>
+          <a:p>
+            <a:r>
+              <a:rPr lang="tr-TR" sz="1800" dirty="0"/>
+              <a:t>Ahmet, tüm güvenlik sistemlerinin entegre edildiği bir kontrol paneli üzerinden yönetim yapabilmelidir.</a:t>
+            </a:r>
+          </a:p>
+          <a:p>
+            <a:r>
+              <a:rPr lang="tr-TR" sz="1800" dirty="0"/>
+              <a:t>Sistemler, kullanıcı deneyimini olumsuz etkilemeden arka planda çalışabilmelidir.</a:t>
+            </a:r>
+          </a:p>
+          <a:p>
+            <a:r>
+              <a:rPr lang="tr-TR" sz="1800" dirty="0"/>
+              <a:t>Güvenlik ihlalleri anında tespit edilip, ilgili ekiplere bildirilmelidir.</a:t>
+            </a:r>
+            <a:endParaRPr lang="tr-TR" sz="1800" dirty="0"/>
           </a:p>
         </p:txBody>
       </p:sp>
     </p:spTree>
     <p:extLst>
       <p:ext uri="{BB962C8B-B14F-4D97-AF65-F5344CB8AC3E}">
-        <p14:creationId xmlns:p14="http://schemas.microsoft.com/office/powerpoint/2010/main" val="4275366362"/>
+        <p14:creationId xmlns:p14="http://schemas.microsoft.com/office/powerpoint/2010/main" val="944474412"/>
       </p:ext>
     </p:extLst>
   </p:cSld>
@@ -13237,6 +13469,158 @@
       </p:grpSpPr>
       <p:sp>
         <p:nvSpPr>
+          <p:cNvPr id="2" name="Başlık 1">
+            <a:extLst>
+              <a:ext uri="{FF2B5EF4-FFF2-40B4-BE49-F238E27FC236}">
+                <a16:creationId xmlns:a16="http://schemas.microsoft.com/office/drawing/2014/main" id="{69173F41-5E46-51C3-E527-D1287C1A2DAA}"/>
+              </a:ext>
+            </a:extLst>
+          </p:cNvPr>
+          <p:cNvSpPr>
+            <a:spLocks noGrp="1"/>
+          </p:cNvSpPr>
+          <p:nvPr>
+            <p:ph type="title"/>
+          </p:nvPr>
+        </p:nvSpPr>
+        <p:spPr/>
+        <p:txBody>
+          <a:bodyPr/>
+          <a:lstStyle/>
+          <a:p>
+            <a:r>
+              <a:rPr lang="tr-TR" sz="4400" dirty="0"/>
+              <a:t>USER STORY</a:t>
+            </a:r>
+            <a:endParaRPr lang="tr-TR" dirty="0"/>
+          </a:p>
+        </p:txBody>
+      </p:sp>
+      <p:sp>
+        <p:nvSpPr>
+          <p:cNvPr id="3" name="İçerik Yer Tutucusu 2">
+            <a:extLst>
+              <a:ext uri="{FF2B5EF4-FFF2-40B4-BE49-F238E27FC236}">
+                <a16:creationId xmlns:a16="http://schemas.microsoft.com/office/drawing/2014/main" id="{DEC744C1-2BE7-A67B-82E0-7221548E888D}"/>
+              </a:ext>
+            </a:extLst>
+          </p:cNvPr>
+          <p:cNvSpPr>
+            <a:spLocks noGrp="1"/>
+          </p:cNvSpPr>
+          <p:nvPr>
+            <p:ph idx="1"/>
+          </p:nvPr>
+        </p:nvSpPr>
+        <p:spPr>
+          <a:xfrm>
+            <a:off x="1371600" y="1927860"/>
+            <a:ext cx="9601200" cy="4402602"/>
+          </a:xfrm>
+        </p:spPr>
+        <p:txBody>
+          <a:bodyPr>
+            <a:normAutofit/>
+          </a:bodyPr>
+          <a:lstStyle/>
+          <a:p>
+            <a:r>
+              <a:rPr lang="tr-TR" sz="2400" dirty="0"/>
+              <a:t>Bir siber güvenlik uzmanı olarak, e-posta kutularımıza gelen istenmeyen e-postaları, </a:t>
+            </a:r>
+            <a:r>
+              <a:rPr lang="tr-TR" sz="2400" dirty="0" err="1"/>
+              <a:t>spam'ları</a:t>
+            </a:r>
+            <a:r>
+              <a:rPr lang="tr-TR" sz="2400" dirty="0"/>
+              <a:t> ve </a:t>
+            </a:r>
+            <a:r>
+              <a:rPr lang="tr-TR" sz="2400" dirty="0" err="1"/>
+              <a:t>phishing</a:t>
+            </a:r>
+            <a:r>
+              <a:rPr lang="tr-TR" sz="2400" dirty="0"/>
+              <a:t> saldırılarını engellemek için </a:t>
+            </a:r>
+            <a:r>
+              <a:rPr lang="tr-TR" sz="2400" dirty="0" err="1"/>
+              <a:t>Spam</a:t>
+            </a:r>
+            <a:r>
+              <a:rPr lang="tr-TR" sz="2400" dirty="0"/>
+              <a:t> filtresi, e-posta güvenlik duvarı ve URL filtresi araçlarını kullanmak istiyorum. Bu sayede çalışanlarımızın hassas bilgilerine yetkisiz erişimi önleyebilir ve siber saldırılara karşı korunabiliriz</a:t>
+            </a:r>
+            <a:r>
+              <a:rPr lang="tr-TR" sz="2400" dirty="0" smtClean="0"/>
+              <a:t>.</a:t>
+            </a:r>
+            <a:endParaRPr lang="tr-TR" sz="2400" dirty="0"/>
+          </a:p>
+          <a:p>
+            <a:r>
+              <a:rPr lang="tr-TR" sz="2400" dirty="0"/>
+              <a:t>Bir siber güvenlik uzmanı olarak, sistemlerimizde ve verilerimizde virüs ve diğer kötü amaçlı yazılımları tespit etmek ve bunları kaldırmak için </a:t>
+            </a:r>
+            <a:r>
+              <a:rPr lang="tr-TR" sz="2400" dirty="0" err="1"/>
+              <a:t>Antivirüs</a:t>
+            </a:r>
+            <a:r>
+              <a:rPr lang="tr-TR" sz="2400" dirty="0"/>
+              <a:t>, Web Uygulama Güvenlik Duvarı, DB Güvenlik Duvarı, E-posta Güvenlik Duvarı, Saldırı Tespit ve Engelleme Sistemi (STS) ve Zero-</a:t>
+            </a:r>
+            <a:r>
+              <a:rPr lang="tr-TR" sz="2400" dirty="0" err="1"/>
+              <a:t>Day</a:t>
+            </a:r>
+            <a:r>
+              <a:rPr lang="tr-TR" sz="2400" dirty="0"/>
+              <a:t> Zararlı Yazılım Tespit Sistemi araçlarını tek sistem üzerinden kullanmak istiyorum. Bu sayede sistemlerimiz istikrarlı ve güvenli bir şekilde çalışır.</a:t>
+            </a:r>
+          </a:p>
+        </p:txBody>
+      </p:sp>
+    </p:spTree>
+    <p:extLst>
+      <p:ext uri="{BB962C8B-B14F-4D97-AF65-F5344CB8AC3E}">
+        <p14:creationId xmlns:p14="http://schemas.microsoft.com/office/powerpoint/2010/main" val="760282732"/>
+      </p:ext>
+    </p:extLst>
+  </p:cSld>
+  <p:clrMapOvr>
+    <a:masterClrMapping/>
+  </p:clrMapOvr>
+  <p:timing>
+    <p:tnLst>
+      <p:par>
+        <p:cTn id="1" dur="indefinite" restart="never" nodeType="tmRoot"/>
+      </p:par>
+    </p:tnLst>
+  </p:timing>
+</p:sld>
+</file>
+
+<file path=ppt/slides/slide69.xml><?xml version="1.0" encoding="utf-8"?>
+<p:sld xmlns:a="http://schemas.openxmlformats.org/drawingml/2006/main" xmlns:r="http://schemas.openxmlformats.org/officeDocument/2006/relationships" xmlns:p="http://schemas.openxmlformats.org/presentationml/2006/main">
+  <p:cSld>
+    <p:spTree>
+      <p:nvGrpSpPr>
+        <p:cNvPr id="1" name=""/>
+        <p:cNvGrpSpPr/>
+        <p:nvPr/>
+      </p:nvGrpSpPr>
+      <p:grpSpPr>
+        <a:xfrm>
+          <a:off x="0" y="0"/>
+          <a:ext cx="0" cy="0"/>
+          <a:chOff x="0" y="0"/>
+          <a:chExt cx="0" cy="0"/>
+        </a:xfrm>
+      </p:grpSpPr>
+      <p:sp>
+        <p:nvSpPr>
           <p:cNvPr id="5" name="Başlık 1">
             <a:extLst>
               <a:ext uri="{FF2B5EF4-FFF2-40B4-BE49-F238E27FC236}">
@@ -13293,7 +13677,7 @@
         </p:blipFill>
         <p:spPr>
           <a:xfrm>
-            <a:off x="1832240" y="818923"/>
+            <a:off x="1717940" y="826543"/>
             <a:ext cx="9456444" cy="5788797"/>
           </a:xfrm>
           <a:prstGeom prst="rect">
@@ -13321,7 +13705,120 @@
 </p:sld>
 </file>
 
-<file path=ppt/slides/slide69.xml><?xml version="1.0" encoding="utf-8"?>
+<file path=ppt/slides/slide7.xml><?xml version="1.0" encoding="utf-8"?>
+<p:sld xmlns:a="http://schemas.openxmlformats.org/drawingml/2006/main" xmlns:r="http://schemas.openxmlformats.org/officeDocument/2006/relationships" xmlns:p="http://schemas.openxmlformats.org/presentationml/2006/main">
+  <p:cSld>
+    <p:spTree>
+      <p:nvGrpSpPr>
+        <p:cNvPr id="1" name=""/>
+        <p:cNvGrpSpPr/>
+        <p:nvPr/>
+      </p:nvGrpSpPr>
+      <p:grpSpPr>
+        <a:xfrm>
+          <a:off x="0" y="0"/>
+          <a:ext cx="0" cy="0"/>
+          <a:chOff x="0" y="0"/>
+          <a:chExt cx="0" cy="0"/>
+        </a:xfrm>
+      </p:grpSpPr>
+      <p:sp>
+        <p:nvSpPr>
+          <p:cNvPr id="2" name="Unvan 1"/>
+          <p:cNvSpPr>
+            <a:spLocks noGrp="1"/>
+          </p:cNvSpPr>
+          <p:nvPr>
+            <p:ph type="title"/>
+          </p:nvPr>
+        </p:nvSpPr>
+        <p:spPr/>
+        <p:txBody>
+          <a:bodyPr/>
+          <a:lstStyle/>
+          <a:p>
+            <a:r>
+              <a:rPr lang="tr-TR" dirty="0"/>
+              <a:t>Bilgi Güvenliği Uygulamaları</a:t>
+            </a:r>
+          </a:p>
+        </p:txBody>
+      </p:sp>
+      <p:sp>
+        <p:nvSpPr>
+          <p:cNvPr id="3" name="İçerik Yer Tutucusu 2"/>
+          <p:cNvSpPr>
+            <a:spLocks noGrp="1"/>
+          </p:cNvSpPr>
+          <p:nvPr>
+            <p:ph idx="1"/>
+          </p:nvPr>
+        </p:nvSpPr>
+        <p:spPr>
+          <a:xfrm>
+            <a:off x="1371600" y="2382253"/>
+            <a:ext cx="9601200" cy="3581400"/>
+          </a:xfrm>
+        </p:spPr>
+        <p:txBody>
+          <a:bodyPr/>
+          <a:lstStyle/>
+          <a:p>
+            <a:r>
+              <a:rPr lang="tr-TR" sz="2400" dirty="0"/>
+              <a:t>1. Güvenlik Duvarları (Firewall)</a:t>
+            </a:r>
+          </a:p>
+          <a:p>
+            <a:r>
+              <a:rPr lang="tr-TR" sz="2400" dirty="0"/>
+              <a:t>2. Filtreleme ve Güvenlik Sistemleri</a:t>
+            </a:r>
+          </a:p>
+          <a:p>
+            <a:r>
+              <a:rPr lang="tr-TR" sz="2400" dirty="0"/>
+              <a:t>3. Zafiyet ve Risk Yönetimi Sistemleri</a:t>
+            </a:r>
+          </a:p>
+          <a:p>
+            <a:r>
+              <a:rPr lang="nb-NO" sz="2400" dirty="0"/>
+              <a:t>4. Güvenlik İzleme ve Kontrol Sistemleri</a:t>
+            </a:r>
+          </a:p>
+          <a:p>
+            <a:r>
+              <a:rPr lang="tr-TR" sz="2400" dirty="0"/>
+              <a:t>5. Veri Güvenliği Sağlayıcıları</a:t>
+            </a:r>
+          </a:p>
+          <a:p>
+            <a:endParaRPr lang="tr-TR" dirty="0"/>
+          </a:p>
+        </p:txBody>
+      </p:sp>
+    </p:spTree>
+    <p:extLst>
+      <p:ext uri="{BB962C8B-B14F-4D97-AF65-F5344CB8AC3E}">
+        <p14:creationId xmlns:p14="http://schemas.microsoft.com/office/powerpoint/2010/main" val="3378204657"/>
+      </p:ext>
+    </p:extLst>
+  </p:cSld>
+  <p:clrMapOvr>
+    <a:masterClrMapping/>
+  </p:clrMapOvr>
+  <p:timing>
+    <p:tnLst>
+      <p:par>
+        <p:cTn id="1" dur="indefinite" restart="never" nodeType="tmRoot"/>
+      </p:par>
+    </p:tnLst>
+  </p:timing>
+</p:sld>
+</file>
+
+<file path=ppt/slides/slide70.xml><?xml version="1.0" encoding="utf-8"?>
 <p:sld xmlns:a="http://schemas.openxmlformats.org/drawingml/2006/main" xmlns:r="http://schemas.openxmlformats.org/officeDocument/2006/relationships" xmlns:p="http://schemas.openxmlformats.org/presentationml/2006/main">
   <p:cSld>
     <p:spTree>
@@ -13372,119 +13869,6 @@
     <p:extLst>
       <p:ext uri="{BB962C8B-B14F-4D97-AF65-F5344CB8AC3E}">
         <p14:creationId xmlns:p14="http://schemas.microsoft.com/office/powerpoint/2010/main" val="1073371976"/>
-      </p:ext>
-    </p:extLst>
-  </p:cSld>
-  <p:clrMapOvr>
-    <a:masterClrMapping/>
-  </p:clrMapOvr>
-  <p:timing>
-    <p:tnLst>
-      <p:par>
-        <p:cTn id="1" dur="indefinite" restart="never" nodeType="tmRoot"/>
-      </p:par>
-    </p:tnLst>
-  </p:timing>
-</p:sld>
-</file>
-
-<file path=ppt/slides/slide7.xml><?xml version="1.0" encoding="utf-8"?>
-<p:sld xmlns:a="http://schemas.openxmlformats.org/drawingml/2006/main" xmlns:r="http://schemas.openxmlformats.org/officeDocument/2006/relationships" xmlns:p="http://schemas.openxmlformats.org/presentationml/2006/main">
-  <p:cSld>
-    <p:spTree>
-      <p:nvGrpSpPr>
-        <p:cNvPr id="1" name=""/>
-        <p:cNvGrpSpPr/>
-        <p:nvPr/>
-      </p:nvGrpSpPr>
-      <p:grpSpPr>
-        <a:xfrm>
-          <a:off x="0" y="0"/>
-          <a:ext cx="0" cy="0"/>
-          <a:chOff x="0" y="0"/>
-          <a:chExt cx="0" cy="0"/>
-        </a:xfrm>
-      </p:grpSpPr>
-      <p:sp>
-        <p:nvSpPr>
-          <p:cNvPr id="2" name="Unvan 1"/>
-          <p:cNvSpPr>
-            <a:spLocks noGrp="1"/>
-          </p:cNvSpPr>
-          <p:nvPr>
-            <p:ph type="title"/>
-          </p:nvPr>
-        </p:nvSpPr>
-        <p:spPr/>
-        <p:txBody>
-          <a:bodyPr/>
-          <a:lstStyle/>
-          <a:p>
-            <a:r>
-              <a:rPr lang="tr-TR" dirty="0"/>
-              <a:t>Bilgi Güvenliği Uygulamaları</a:t>
-            </a:r>
-          </a:p>
-        </p:txBody>
-      </p:sp>
-      <p:sp>
-        <p:nvSpPr>
-          <p:cNvPr id="3" name="İçerik Yer Tutucusu 2"/>
-          <p:cNvSpPr>
-            <a:spLocks noGrp="1"/>
-          </p:cNvSpPr>
-          <p:nvPr>
-            <p:ph idx="1"/>
-          </p:nvPr>
-        </p:nvSpPr>
-        <p:spPr>
-          <a:xfrm>
-            <a:off x="1371600" y="2382253"/>
-            <a:ext cx="9601200" cy="3581400"/>
-          </a:xfrm>
-        </p:spPr>
-        <p:txBody>
-          <a:bodyPr/>
-          <a:lstStyle/>
-          <a:p>
-            <a:r>
-              <a:rPr lang="tr-TR" sz="2400" dirty="0"/>
-              <a:t>1. Güvenlik Duvarları (Firewall)</a:t>
-            </a:r>
-          </a:p>
-          <a:p>
-            <a:r>
-              <a:rPr lang="tr-TR" sz="2400" dirty="0"/>
-              <a:t>2. Filtreleme ve Güvenlik Sistemleri</a:t>
-            </a:r>
-          </a:p>
-          <a:p>
-            <a:r>
-              <a:rPr lang="tr-TR" sz="2400" dirty="0"/>
-              <a:t>3. Zafiyet ve Risk Yönetimi Sistemleri</a:t>
-            </a:r>
-          </a:p>
-          <a:p>
-            <a:r>
-              <a:rPr lang="nb-NO" sz="2400" dirty="0"/>
-              <a:t>4. Güvenlik İzleme ve Kontrol Sistemleri</a:t>
-            </a:r>
-          </a:p>
-          <a:p>
-            <a:r>
-              <a:rPr lang="tr-TR" sz="2400" dirty="0"/>
-              <a:t>5. Veri Güvenliği Sağlayıcıları</a:t>
-            </a:r>
-          </a:p>
-          <a:p>
-            <a:endParaRPr lang="tr-TR" dirty="0"/>
-          </a:p>
-        </p:txBody>
-      </p:sp>
-    </p:spTree>
-    <p:extLst>
-      <p:ext uri="{BB962C8B-B14F-4D97-AF65-F5344CB8AC3E}">
-        <p14:creationId xmlns:p14="http://schemas.microsoft.com/office/powerpoint/2010/main" val="3378204657"/>
       </p:ext>
     </p:extLst>
   </p:cSld>

--- a/YGA_SIEM_PROJECT/Entegre_Güvenlik_Kalkanı_Projesi_Sunu_Taslak2.pptx
+++ b/YGA_SIEM_PROJECT/Entegre_Güvenlik_Kalkanı_Projesi_Sunu_Taslak2.pptx
@@ -12333,8 +12333,8 @@
         </p:blipFill>
         <p:spPr>
           <a:xfrm>
-            <a:off x="293197" y="1428750"/>
-            <a:ext cx="11758006" cy="4687410"/>
+            <a:off x="838319" y="1"/>
+            <a:ext cx="11353681" cy="6858000"/>
           </a:xfrm>
         </p:spPr>
       </p:pic>
@@ -13426,7 +13426,6 @@
               <a:rPr lang="tr-TR" sz="1800" dirty="0"/>
               <a:t>Güvenlik ihlalleri anında tespit edilip, ilgili ekiplere bildirilmelidir.</a:t>
             </a:r>
-            <a:endParaRPr lang="tr-TR" sz="1800" dirty="0"/>
           </a:p>
         </p:txBody>
       </p:sp>
